--- a/pres-source/08-Cassandra.pptx
+++ b/pres-source/08-Cassandra.pptx
@@ -5,7 +5,7 @@
     <p:sldMasterId id="2147483648" r:id="rId1"/>
   </p:sldMasterIdLst>
   <p:notesMasterIdLst>
-    <p:notesMasterId r:id="rId12"/>
+    <p:notesMasterId r:id="rId16"/>
   </p:notesMasterIdLst>
   <p:sldIdLst>
     <p:sldId id="256" r:id="rId2"/>
@@ -18,6 +18,10 @@
     <p:sldId id="289" r:id="rId9"/>
     <p:sldId id="290" r:id="rId10"/>
     <p:sldId id="288" r:id="rId11"/>
+    <p:sldId id="291" r:id="rId12"/>
+    <p:sldId id="292" r:id="rId13"/>
+    <p:sldId id="293" r:id="rId14"/>
+    <p:sldId id="294" r:id="rId15"/>
   </p:sldIdLst>
   <p:sldSz cx="9144000" cy="6858000" type="screen4x3"/>
   <p:notesSz cx="6858000" cy="9144000"/>
@@ -4082,6 +4086,310 @@
 </p:sld>
 </file>
 
+<file path=ppt/slides/slide11.xml><?xml version="1.0" encoding="utf-8"?>
+<p:sld xmlns:a="http://schemas.openxmlformats.org/drawingml/2006/main" xmlns:r="http://schemas.openxmlformats.org/officeDocument/2006/relationships" xmlns:p="http://schemas.openxmlformats.org/presentationml/2006/main">
+  <p:cSld>
+    <p:spTree>
+      <p:nvGrpSpPr>
+        <p:cNvPr id="1" name=""/>
+        <p:cNvGrpSpPr/>
+        <p:nvPr/>
+      </p:nvGrpSpPr>
+      <p:grpSpPr>
+        <a:xfrm>
+          <a:off x="0" y="0"/>
+          <a:ext cx="0" cy="0"/>
+          <a:chOff x="0" y="0"/>
+          <a:chExt cx="0" cy="0"/>
+        </a:xfrm>
+      </p:grpSpPr>
+      <p:sp>
+        <p:nvSpPr>
+          <p:cNvPr id="2" name="Title 1"/>
+          <p:cNvSpPr>
+            <a:spLocks noGrp="1"/>
+          </p:cNvSpPr>
+          <p:nvPr>
+            <p:ph type="title"/>
+          </p:nvPr>
+        </p:nvSpPr>
+        <p:spPr/>
+        <p:txBody>
+          <a:bodyPr/>
+          <a:lstStyle/>
+          <a:p>
+            <a:r>
+              <a:rPr lang="en-US" dirty="0" err="1"/>
+              <a:t>c</a:t>
+            </a:r>
+            <a:r>
+              <a:rPr lang="en-US" dirty="0" err="1" smtClean="0"/>
+              <a:t>assandra.yaml</a:t>
+            </a:r>
+            <a:r>
+              <a:rPr lang="en-US" dirty="0" smtClean="0"/>
+              <a:t>	</a:t>
+            </a:r>
+            <a:endParaRPr lang="en-US" dirty="0"/>
+          </a:p>
+        </p:txBody>
+      </p:sp>
+      <p:sp>
+        <p:nvSpPr>
+          <p:cNvPr id="3" name="Content Placeholder 2"/>
+          <p:cNvSpPr>
+            <a:spLocks noGrp="1"/>
+          </p:cNvSpPr>
+          <p:nvPr>
+            <p:ph idx="1"/>
+          </p:nvPr>
+        </p:nvSpPr>
+        <p:spPr/>
+        <p:txBody>
+          <a:bodyPr/>
+          <a:lstStyle/>
+          <a:p>
+            <a:endParaRPr lang="en-US" dirty="0"/>
+          </a:p>
+        </p:txBody>
+      </p:sp>
+    </p:spTree>
+    <p:extLst>
+      <p:ext uri="{BB962C8B-B14F-4D97-AF65-F5344CB8AC3E}">
+        <p14:creationId xmlns:p14="http://schemas.microsoft.com/office/powerpoint/2010/main" val="2592907123"/>
+      </p:ext>
+    </p:extLst>
+  </p:cSld>
+  <p:clrMapOvr>
+    <a:masterClrMapping/>
+  </p:clrMapOvr>
+</p:sld>
+</file>
+
+<file path=ppt/slides/slide12.xml><?xml version="1.0" encoding="utf-8"?>
+<p:sld xmlns:a="http://schemas.openxmlformats.org/drawingml/2006/main" xmlns:r="http://schemas.openxmlformats.org/officeDocument/2006/relationships" xmlns:p="http://schemas.openxmlformats.org/presentationml/2006/main">
+  <p:cSld>
+    <p:spTree>
+      <p:nvGrpSpPr>
+        <p:cNvPr id="1" name=""/>
+        <p:cNvGrpSpPr/>
+        <p:nvPr/>
+      </p:nvGrpSpPr>
+      <p:grpSpPr>
+        <a:xfrm>
+          <a:off x="0" y="0"/>
+          <a:ext cx="0" cy="0"/>
+          <a:chOff x="0" y="0"/>
+          <a:chExt cx="0" cy="0"/>
+        </a:xfrm>
+      </p:grpSpPr>
+      <p:sp>
+        <p:nvSpPr>
+          <p:cNvPr id="2" name="Title 1"/>
+          <p:cNvSpPr>
+            <a:spLocks noGrp="1"/>
+          </p:cNvSpPr>
+          <p:nvPr>
+            <p:ph type="title"/>
+          </p:nvPr>
+        </p:nvSpPr>
+        <p:spPr/>
+        <p:txBody>
+          <a:bodyPr/>
+          <a:lstStyle/>
+          <a:p>
+            <a:r>
+              <a:rPr lang="en-US" dirty="0" err="1" smtClean="0"/>
+              <a:t>DataStax</a:t>
+            </a:r>
+            <a:r>
+              <a:rPr lang="en-US" dirty="0" smtClean="0"/>
+              <a:t> </a:t>
+            </a:r>
+            <a:r>
+              <a:rPr lang="en-US" dirty="0" err="1" smtClean="0"/>
+              <a:t>OpsCenter</a:t>
+            </a:r>
+            <a:endParaRPr lang="en-US" dirty="0"/>
+          </a:p>
+        </p:txBody>
+      </p:sp>
+      <p:sp>
+        <p:nvSpPr>
+          <p:cNvPr id="3" name="Content Placeholder 2"/>
+          <p:cNvSpPr>
+            <a:spLocks noGrp="1"/>
+          </p:cNvSpPr>
+          <p:nvPr>
+            <p:ph idx="1"/>
+          </p:nvPr>
+        </p:nvSpPr>
+        <p:spPr/>
+        <p:txBody>
+          <a:bodyPr/>
+          <a:lstStyle/>
+          <a:p>
+            <a:endParaRPr lang="en-US"/>
+          </a:p>
+        </p:txBody>
+      </p:sp>
+    </p:spTree>
+    <p:extLst>
+      <p:ext uri="{BB962C8B-B14F-4D97-AF65-F5344CB8AC3E}">
+        <p14:creationId xmlns:p14="http://schemas.microsoft.com/office/powerpoint/2010/main" val="1378977991"/>
+      </p:ext>
+    </p:extLst>
+  </p:cSld>
+  <p:clrMapOvr>
+    <a:masterClrMapping/>
+  </p:clrMapOvr>
+</p:sld>
+</file>
+
+<file path=ppt/slides/slide13.xml><?xml version="1.0" encoding="utf-8"?>
+<p:sld xmlns:a="http://schemas.openxmlformats.org/drawingml/2006/main" xmlns:r="http://schemas.openxmlformats.org/officeDocument/2006/relationships" xmlns:p="http://schemas.openxmlformats.org/presentationml/2006/main">
+  <p:cSld>
+    <p:spTree>
+      <p:nvGrpSpPr>
+        <p:cNvPr id="1" name=""/>
+        <p:cNvGrpSpPr/>
+        <p:nvPr/>
+      </p:nvGrpSpPr>
+      <p:grpSpPr>
+        <a:xfrm>
+          <a:off x="0" y="0"/>
+          <a:ext cx="0" cy="0"/>
+          <a:chOff x="0" y="0"/>
+          <a:chExt cx="0" cy="0"/>
+        </a:xfrm>
+      </p:grpSpPr>
+      <p:sp>
+        <p:nvSpPr>
+          <p:cNvPr id="2" name="Title 1"/>
+          <p:cNvSpPr>
+            <a:spLocks noGrp="1"/>
+          </p:cNvSpPr>
+          <p:nvPr>
+            <p:ph type="title"/>
+          </p:nvPr>
+        </p:nvSpPr>
+        <p:spPr/>
+        <p:txBody>
+          <a:bodyPr/>
+          <a:lstStyle/>
+          <a:p>
+            <a:r>
+              <a:rPr lang="en-US" dirty="0" smtClean="0"/>
+              <a:t>Setting up a cluster in EC2</a:t>
+            </a:r>
+            <a:endParaRPr lang="en-US" dirty="0"/>
+          </a:p>
+        </p:txBody>
+      </p:sp>
+      <p:sp>
+        <p:nvSpPr>
+          <p:cNvPr id="3" name="Content Placeholder 2"/>
+          <p:cNvSpPr>
+            <a:spLocks noGrp="1"/>
+          </p:cNvSpPr>
+          <p:nvPr>
+            <p:ph idx="1"/>
+          </p:nvPr>
+        </p:nvSpPr>
+        <p:spPr/>
+        <p:txBody>
+          <a:bodyPr/>
+          <a:lstStyle/>
+          <a:p>
+            <a:endParaRPr lang="en-US"/>
+          </a:p>
+        </p:txBody>
+      </p:sp>
+    </p:spTree>
+    <p:extLst>
+      <p:ext uri="{BB962C8B-B14F-4D97-AF65-F5344CB8AC3E}">
+        <p14:creationId xmlns:p14="http://schemas.microsoft.com/office/powerpoint/2010/main" val="1367644873"/>
+      </p:ext>
+    </p:extLst>
+  </p:cSld>
+  <p:clrMapOvr>
+    <a:masterClrMapping/>
+  </p:clrMapOvr>
+</p:sld>
+</file>
+
+<file path=ppt/slides/slide14.xml><?xml version="1.0" encoding="utf-8"?>
+<p:sld xmlns:a="http://schemas.openxmlformats.org/drawingml/2006/main" xmlns:r="http://schemas.openxmlformats.org/officeDocument/2006/relationships" xmlns:p="http://schemas.openxmlformats.org/presentationml/2006/main">
+  <p:cSld>
+    <p:spTree>
+      <p:nvGrpSpPr>
+        <p:cNvPr id="1" name=""/>
+        <p:cNvGrpSpPr/>
+        <p:nvPr/>
+      </p:nvGrpSpPr>
+      <p:grpSpPr>
+        <a:xfrm>
+          <a:off x="0" y="0"/>
+          <a:ext cx="0" cy="0"/>
+          <a:chOff x="0" y="0"/>
+          <a:chExt cx="0" cy="0"/>
+        </a:xfrm>
+      </p:grpSpPr>
+      <p:sp>
+        <p:nvSpPr>
+          <p:cNvPr id="2" name="Title 1"/>
+          <p:cNvSpPr>
+            <a:spLocks noGrp="1"/>
+          </p:cNvSpPr>
+          <p:nvPr>
+            <p:ph type="title"/>
+          </p:nvPr>
+        </p:nvSpPr>
+        <p:spPr/>
+        <p:txBody>
+          <a:bodyPr/>
+          <a:lstStyle/>
+          <a:p>
+            <a:r>
+              <a:rPr lang="en-US" smtClean="0"/>
+              <a:t>Questions?</a:t>
+            </a:r>
+            <a:endParaRPr lang="en-US"/>
+          </a:p>
+        </p:txBody>
+      </p:sp>
+      <p:sp>
+        <p:nvSpPr>
+          <p:cNvPr id="3" name="Content Placeholder 2"/>
+          <p:cNvSpPr>
+            <a:spLocks noGrp="1"/>
+          </p:cNvSpPr>
+          <p:nvPr>
+            <p:ph idx="1"/>
+          </p:nvPr>
+        </p:nvSpPr>
+        <p:spPr/>
+        <p:txBody>
+          <a:bodyPr/>
+          <a:lstStyle/>
+          <a:p>
+            <a:endParaRPr lang="en-US"/>
+          </a:p>
+        </p:txBody>
+      </p:sp>
+    </p:spTree>
+    <p:extLst>
+      <p:ext uri="{BB962C8B-B14F-4D97-AF65-F5344CB8AC3E}">
+        <p14:creationId xmlns:p14="http://schemas.microsoft.com/office/powerpoint/2010/main" val="3463372926"/>
+      </p:ext>
+    </p:extLst>
+  </p:cSld>
+  <p:clrMapOvr>
+    <a:masterClrMapping/>
+  </p:clrMapOvr>
+</p:sld>
+</file>
+
 <file path=ppt/slides/slide2.xml><?xml version="1.0" encoding="utf-8"?>
 <p:sld xmlns:a="http://schemas.openxmlformats.org/drawingml/2006/main" xmlns:r="http://schemas.openxmlformats.org/officeDocument/2006/relationships" xmlns:p="http://schemas.openxmlformats.org/presentationml/2006/main">
   <p:cSld>
@@ -4919,10 +5227,10 @@
           <a:lstStyle/>
           <a:p>
             <a:r>
-              <a:rPr lang="en-US" smtClean="0"/>
+              <a:rPr lang="en-US" dirty="0" smtClean="0"/>
               <a:t>Replication</a:t>
             </a:r>
-            <a:endParaRPr lang="en-US"/>
+            <a:endParaRPr lang="en-US" dirty="0"/>
           </a:p>
         </p:txBody>
       </p:sp>
